--- a/Site/site/documentos/prototipos - V_4.0.pptx
+++ b/Site/site/documentos/prototipos - V_4.0.pptx
@@ -125,7 +125,7 @@
   </p:defaultTextStyle>
   <p:extLst>
     <p:ext uri="{EFAFB233-063F-42B5-8137-9DF3F51BA10A}">
-      <p15:sldGuideLst xmlns="" xmlns:p15="http://schemas.microsoft.com/office/powerpoint/2012/main">
+      <p15:sldGuideLst xmlns:p15="http://schemas.microsoft.com/office/powerpoint/2012/main" xmlns="">
         <p15:guide id="1" orient="horz" pos="2160">
           <p15:clr>
             <a:srgbClr val="A4A3A4"/>
@@ -396,7 +396,7 @@
     </p:spTree>
     <p:extLst>
       <p:ext uri="{BB962C8B-B14F-4D97-AF65-F5344CB8AC3E}">
-        <p14:creationId xmlns="" xmlns:p14="http://schemas.microsoft.com/office/powerpoint/2010/main" val="4032574923"/>
+        <p14:creationId xmlns:p14="http://schemas.microsoft.com/office/powerpoint/2010/main" xmlns="" val="4032574923"/>
       </p:ext>
     </p:extLst>
   </p:cSld>
@@ -573,7 +573,7 @@
     </p:spTree>
     <p:extLst>
       <p:ext uri="{BB962C8B-B14F-4D97-AF65-F5344CB8AC3E}">
-        <p14:creationId xmlns="" xmlns:p14="http://schemas.microsoft.com/office/powerpoint/2010/main" val="1769993173"/>
+        <p14:creationId xmlns:p14="http://schemas.microsoft.com/office/powerpoint/2010/main" xmlns="" val="1769993173"/>
       </p:ext>
     </p:extLst>
   </p:cSld>
@@ -4913,16 +4913,7 @@
                 </a:solidFill>
                 <a:latin typeface="Calibri"/>
               </a:rPr>
-              <a:t>Código             Nome                                                        </a:t>
-            </a:r>
-            <a:r>
-              <a:rPr lang="pt-BR" dirty="0" smtClean="0">
-                <a:solidFill>
-                  <a:srgbClr val="000000"/>
-                </a:solidFill>
-                <a:latin typeface="Calibri"/>
-              </a:rPr>
-              <a:t>Número </a:t>
+              <a:t>Código             Nome                                                        Número </a:t>
             </a:r>
             <a:r>
               <a:rPr lang="pt-BR" dirty="0">
@@ -6277,7 +6268,7 @@
         <p:spPr>
           <a:xfrm>
             <a:off x="432000" y="5254808"/>
-            <a:ext cx="2088000" cy="406440"/>
+            <a:ext cx="2627832" cy="406440"/>
           </a:xfrm>
           <a:prstGeom prst="rect">
             <a:avLst/>
@@ -6297,13 +6288,22 @@
               </a:lnSpc>
             </a:pPr>
             <a:r>
+              <a:rPr lang="pt-BR" dirty="0" smtClean="0">
+                <a:solidFill>
+                  <a:srgbClr val="000000"/>
+                </a:solidFill>
+                <a:latin typeface="Calibri"/>
+              </a:rPr>
+              <a:t>Data Validade </a:t>
+            </a:r>
+            <a:r>
               <a:rPr lang="pt-BR" dirty="0">
                 <a:solidFill>
                   <a:srgbClr val="000000"/>
                 </a:solidFill>
                 <a:latin typeface="Calibri"/>
               </a:rPr>
-              <a:t>Validade Orçamento</a:t>
+              <a:t>Orçamento</a:t>
             </a:r>
             <a:endParaRPr dirty="0"/>
           </a:p>
@@ -6606,7 +6606,7 @@
         </p:nvSpPr>
         <p:spPr>
           <a:xfrm>
-            <a:off x="2987824" y="5661672"/>
+            <a:off x="2987824" y="6165728"/>
             <a:ext cx="1367640" cy="575640"/>
           </a:xfrm>
           <a:prstGeom prst="rect">
@@ -6632,7 +6632,7 @@
               </a:lnSpc>
             </a:pPr>
             <a:r>
-              <a:rPr lang="pt-BR">
+              <a:rPr lang="pt-BR" dirty="0">
                 <a:solidFill>
                   <a:srgbClr val="000000"/>
                 </a:solidFill>
@@ -6640,7 +6640,7 @@
               </a:rPr>
               <a:t>Aprovar</a:t>
             </a:r>
-            <a:endParaRPr/>
+            <a:endParaRPr dirty="0"/>
           </a:p>
         </p:txBody>
       </p:sp>
@@ -6652,7 +6652,7 @@
         </p:nvSpPr>
         <p:spPr>
           <a:xfrm>
-            <a:off x="4499824" y="5661672"/>
+            <a:off x="4499824" y="6165728"/>
             <a:ext cx="1367640" cy="575640"/>
           </a:xfrm>
           <a:prstGeom prst="rect">
@@ -6692,14 +6692,14 @@
           <p:nvPr>
             <p:extLst>
               <p:ext uri="{D42A27DB-BD31-4B8C-83A1-F6EECF244321}">
-                <p14:modId xmlns="" xmlns:p14="http://schemas.microsoft.com/office/powerpoint/2010/main" val="2246381208"/>
+                <p14:modId xmlns:p14="http://schemas.microsoft.com/office/powerpoint/2010/main" xmlns="" val="2246381208"/>
               </p:ext>
             </p:extLst>
           </p:nvPr>
         </p:nvGraphicFramePr>
         <p:xfrm>
-          <a:off x="508349" y="2285152"/>
-          <a:ext cx="8178092" cy="1986612"/>
+          <a:off x="467544" y="4581128"/>
+          <a:ext cx="8178092" cy="1176186"/>
         </p:xfrm>
         <a:graphic>
           <a:graphicData uri="http://schemas.openxmlformats.org/drawingml/2006/table">
@@ -6795,10 +6795,10 @@
                         </a:lnSpc>
                       </a:pPr>
                       <a:r>
-                        <a:rPr lang="pt-BR"/>
+                        <a:rPr lang="pt-BR" dirty="0"/>
                         <a:t>Preço</a:t>
                       </a:r>
-                      <a:endParaRPr>
+                      <a:endParaRPr dirty="0">
                         <a:solidFill>
                           <a:schemeClr val="tx1"/>
                         </a:solidFill>
@@ -6951,6 +6951,366 @@
                     <a:bodyPr/>
                     <a:lstStyle/>
                     <a:p>
+                      <a:endParaRPr lang="pt-BR" dirty="0">
+                        <a:solidFill>
+                          <a:schemeClr val="tx1"/>
+                        </a:solidFill>
+                      </a:endParaRPr>
+                    </a:p>
+                  </a:txBody>
+                  <a:tcPr/>
+                </a:tc>
+                <a:tc>
+                  <a:txBody>
+                    <a:bodyPr/>
+                    <a:lstStyle/>
+                    <a:p>
+                      <a:endParaRPr lang="pt-BR" dirty="0">
+                        <a:solidFill>
+                          <a:schemeClr val="tx1"/>
+                        </a:solidFill>
+                      </a:endParaRPr>
+                    </a:p>
+                  </a:txBody>
+                  <a:tcPr/>
+                </a:tc>
+              </a:tr>
+            </a:tbl>
+          </a:graphicData>
+        </a:graphic>
+      </p:graphicFrame>
+      <p:sp>
+        <p:nvSpPr>
+          <p:cNvPr id="12" name="CustomShape 8"/>
+          <p:cNvSpPr/>
+          <p:nvPr/>
+        </p:nvSpPr>
+        <p:spPr>
+          <a:xfrm>
+            <a:off x="3059832" y="4077072"/>
+            <a:ext cx="5616624" cy="406440"/>
+          </a:xfrm>
+          <a:prstGeom prst="rect">
+            <a:avLst/>
+          </a:prstGeom>
+          <a:noFill/>
+          <a:ln>
+            <a:noFill/>
+          </a:ln>
+        </p:spPr>
+        <p:txBody>
+          <a:bodyPr/>
+          <a:lstStyle/>
+          <a:p>
+            <a:pPr>
+              <a:lnSpc>
+                <a:spcPct val="100000"/>
+              </a:lnSpc>
+            </a:pPr>
+            <a:r>
+              <a:rPr lang="pt-BR" sz="2000" dirty="0" smtClean="0">
+                <a:solidFill>
+                  <a:srgbClr val="000000"/>
+                </a:solidFill>
+                <a:latin typeface="Calibri"/>
+              </a:rPr>
+              <a:t>Cliente: { </a:t>
+            </a:r>
+            <a:r>
+              <a:rPr lang="pt-BR" sz="2000" dirty="0" err="1" smtClean="0">
+                <a:solidFill>
+                  <a:srgbClr val="000000"/>
+                </a:solidFill>
+                <a:latin typeface="Calibri"/>
+              </a:rPr>
+              <a:t>codigo</a:t>
+            </a:r>
+            <a:r>
+              <a:rPr lang="pt-BR" sz="2000" dirty="0" smtClean="0">
+                <a:solidFill>
+                  <a:srgbClr val="000000"/>
+                </a:solidFill>
+                <a:latin typeface="Calibri"/>
+              </a:rPr>
+              <a:t> e nome}</a:t>
+            </a:r>
+            <a:endParaRPr lang="pt-BR" sz="2000" dirty="0" smtClean="0">
+              <a:solidFill>
+                <a:srgbClr val="000000"/>
+              </a:solidFill>
+              <a:latin typeface="Calibri"/>
+            </a:endParaRPr>
+          </a:p>
+          <a:p>
+            <a:pPr>
+              <a:lnSpc>
+                <a:spcPct val="100000"/>
+              </a:lnSpc>
+            </a:pPr>
+            <a:endParaRPr sz="2000" dirty="0"/>
+          </a:p>
+          <a:p>
+            <a:pPr>
+              <a:lnSpc>
+                <a:spcPct val="100000"/>
+              </a:lnSpc>
+            </a:pPr>
+            <a:endParaRPr sz="2000" dirty="0"/>
+          </a:p>
+          <a:p>
+            <a:pPr>
+              <a:lnSpc>
+                <a:spcPct val="100000"/>
+              </a:lnSpc>
+            </a:pPr>
+            <a:endParaRPr sz="2000" dirty="0"/>
+          </a:p>
+        </p:txBody>
+      </p:sp>
+      <p:sp>
+        <p:nvSpPr>
+          <p:cNvPr id="14" name="CustomShape 8"/>
+          <p:cNvSpPr/>
+          <p:nvPr/>
+        </p:nvSpPr>
+        <p:spPr>
+          <a:xfrm>
+            <a:off x="467544" y="1556792"/>
+            <a:ext cx="2890664" cy="406440"/>
+          </a:xfrm>
+          <a:prstGeom prst="rect">
+            <a:avLst/>
+          </a:prstGeom>
+          <a:noFill/>
+          <a:ln>
+            <a:noFill/>
+          </a:ln>
+        </p:spPr>
+        <p:txBody>
+          <a:bodyPr/>
+          <a:lstStyle/>
+          <a:p>
+            <a:pPr>
+              <a:lnSpc>
+                <a:spcPct val="100000"/>
+              </a:lnSpc>
+            </a:pPr>
+            <a:r>
+              <a:rPr lang="pt-BR" sz="2000" dirty="0" smtClean="0">
+                <a:solidFill>
+                  <a:srgbClr val="000000"/>
+                </a:solidFill>
+                <a:latin typeface="Calibri"/>
+              </a:rPr>
+              <a:t>Lista de </a:t>
+            </a:r>
+            <a:r>
+              <a:rPr lang="pt-BR" sz="2000" dirty="0" smtClean="0">
+                <a:solidFill>
+                  <a:srgbClr val="000000"/>
+                </a:solidFill>
+                <a:latin typeface="Calibri"/>
+              </a:rPr>
+              <a:t>Orçamentos</a:t>
+            </a:r>
+            <a:endParaRPr sz="2000" dirty="0"/>
+          </a:p>
+          <a:p>
+            <a:pPr>
+              <a:lnSpc>
+                <a:spcPct val="100000"/>
+              </a:lnSpc>
+            </a:pPr>
+            <a:endParaRPr sz="2000" dirty="0"/>
+          </a:p>
+          <a:p>
+            <a:pPr>
+              <a:lnSpc>
+                <a:spcPct val="100000"/>
+              </a:lnSpc>
+            </a:pPr>
+            <a:endParaRPr sz="2000" dirty="0"/>
+          </a:p>
+        </p:txBody>
+      </p:sp>
+      <p:graphicFrame>
+        <p:nvGraphicFramePr>
+          <p:cNvPr id="17" name="Table 4"/>
+          <p:cNvGraphicFramePr/>
+          <p:nvPr>
+            <p:extLst>
+              <p:ext uri="{D42A27DB-BD31-4B8C-83A1-F6EECF244321}">
+                <p14:modId xmlns:p14="http://schemas.microsoft.com/office/powerpoint/2010/main" xmlns="" val="2246381208"/>
+              </p:ext>
+            </p:extLst>
+          </p:nvPr>
+        </p:nvGraphicFramePr>
+        <p:xfrm>
+          <a:off x="395536" y="2060848"/>
+          <a:ext cx="8178092" cy="1176186"/>
+        </p:xfrm>
+        <a:graphic>
+          <a:graphicData uri="http://schemas.openxmlformats.org/drawingml/2006/table">
+            <a:tbl>
+              <a:tblPr>
+                <a:tableStyleId>{D7AC3CCA-C797-4891-BE02-D94E43425B78}</a:tableStyleId>
+              </a:tblPr>
+              <a:tblGrid>
+                <a:gridCol w="2016224"/>
+                <a:gridCol w="1254726"/>
+                <a:gridCol w="1635475"/>
+                <a:gridCol w="1718311"/>
+                <a:gridCol w="1553356"/>
+              </a:tblGrid>
+              <a:tr h="345504">
+                <a:tc>
+                  <a:txBody>
+                    <a:bodyPr/>
+                    <a:lstStyle/>
+                    <a:p>
+                      <a:pPr>
+                        <a:lnSpc>
+                          <a:spcPct val="100000"/>
+                        </a:lnSpc>
+                      </a:pPr>
+                      <a:r>
+                        <a:rPr lang="pt-BR" dirty="0" smtClean="0"/>
+                        <a:t>Código Orçamento</a:t>
+                      </a:r>
+                      <a:endParaRPr dirty="0">
+                        <a:solidFill>
+                          <a:schemeClr val="tx1"/>
+                        </a:solidFill>
+                      </a:endParaRPr>
+                    </a:p>
+                  </a:txBody>
+                  <a:tcPr/>
+                </a:tc>
+                <a:tc>
+                  <a:txBody>
+                    <a:bodyPr/>
+                    <a:lstStyle/>
+                    <a:p>
+                      <a:pPr>
+                        <a:lnSpc>
+                          <a:spcPct val="100000"/>
+                        </a:lnSpc>
+                      </a:pPr>
+                      <a:r>
+                        <a:rPr lang="pt-BR" dirty="0" smtClean="0"/>
+                        <a:t>Cliente</a:t>
+                      </a:r>
+                      <a:endParaRPr dirty="0">
+                        <a:solidFill>
+                          <a:schemeClr val="tx1"/>
+                        </a:solidFill>
+                      </a:endParaRPr>
+                    </a:p>
+                  </a:txBody>
+                  <a:tcPr/>
+                </a:tc>
+                <a:tc>
+                  <a:txBody>
+                    <a:bodyPr/>
+                    <a:lstStyle/>
+                    <a:p>
+                      <a:pPr>
+                        <a:lnSpc>
+                          <a:spcPct val="100000"/>
+                        </a:lnSpc>
+                      </a:pPr>
+                      <a:r>
+                        <a:rPr lang="pt-BR" dirty="0" smtClean="0">
+                          <a:solidFill>
+                            <a:schemeClr val="tx1"/>
+                          </a:solidFill>
+                        </a:rPr>
+                        <a:t>Qtd</a:t>
+                      </a:r>
+                      <a:r>
+                        <a:rPr lang="pt-BR" baseline="0" dirty="0" smtClean="0">
+                          <a:solidFill>
+                            <a:schemeClr val="tx1"/>
+                          </a:solidFill>
+                        </a:rPr>
+                        <a:t> Produtos</a:t>
+                      </a:r>
+                      <a:endParaRPr dirty="0">
+                        <a:solidFill>
+                          <a:schemeClr val="tx1"/>
+                        </a:solidFill>
+                      </a:endParaRPr>
+                    </a:p>
+                  </a:txBody>
+                  <a:tcPr/>
+                </a:tc>
+                <a:tc>
+                  <a:txBody>
+                    <a:bodyPr/>
+                    <a:lstStyle/>
+                    <a:p>
+                      <a:pPr>
+                        <a:lnSpc>
+                          <a:spcPct val="100000"/>
+                        </a:lnSpc>
+                      </a:pPr>
+                      <a:r>
+                        <a:rPr lang="pt-BR" dirty="0" smtClean="0"/>
+                        <a:t>Total R$ desconto</a:t>
+                      </a:r>
+                      <a:endParaRPr dirty="0">
+                        <a:solidFill>
+                          <a:schemeClr val="tx1"/>
+                        </a:solidFill>
+                      </a:endParaRPr>
+                    </a:p>
+                  </a:txBody>
+                  <a:tcPr/>
+                </a:tc>
+                <a:tc>
+                  <a:txBody>
+                    <a:bodyPr/>
+                    <a:lstStyle/>
+                    <a:p>
+                      <a:pPr>
+                        <a:lnSpc>
+                          <a:spcPct val="100000"/>
+                        </a:lnSpc>
+                      </a:pPr>
+                      <a:r>
+                        <a:rPr lang="pt-BR" dirty="0" smtClean="0"/>
+                        <a:t>Total R$</a:t>
+                      </a:r>
+                      <a:endParaRPr dirty="0">
+                        <a:solidFill>
+                          <a:schemeClr val="tx1"/>
+                        </a:solidFill>
+                      </a:endParaRPr>
+                    </a:p>
+                  </a:txBody>
+                  <a:tcPr/>
+                </a:tc>
+              </a:tr>
+              <a:tr h="405213">
+                <a:tc>
+                  <a:txBody>
+                    <a:bodyPr/>
+                    <a:lstStyle/>
+                    <a:p>
+                      <a:endParaRPr lang="pt-BR" dirty="0">
+                        <a:solidFill>
+                          <a:schemeClr val="tx1"/>
+                        </a:solidFill>
+                      </a:endParaRPr>
+                    </a:p>
+                  </a:txBody>
+                  <a:tcPr/>
+                </a:tc>
+                <a:tc>
+                  <a:txBody>
+                    <a:bodyPr/>
+                    <a:lstStyle/>
+                    <a:p>
                       <a:endParaRPr lang="pt-BR">
                         <a:solidFill>
                           <a:schemeClr val="tx1"/>
@@ -6974,8 +7334,6 @@
                   </a:txBody>
                   <a:tcPr/>
                 </a:tc>
-              </a:tr>
-              <a:tr h="405213">
                 <a:tc>
                   <a:txBody>
                     <a:bodyPr/>
@@ -6996,48 +7354,6 @@
                     <a:lstStyle/>
                     <a:p>
                       <a:endParaRPr lang="pt-BR" dirty="0">
-                        <a:solidFill>
-                          <a:schemeClr val="tx1"/>
-                        </a:solidFill>
-                      </a:endParaRPr>
-                    </a:p>
-                  </a:txBody>
-                  <a:tcPr/>
-                </a:tc>
-                <a:tc>
-                  <a:txBody>
-                    <a:bodyPr/>
-                    <a:lstStyle/>
-                    <a:p>
-                      <a:endParaRPr lang="pt-BR" dirty="0">
-                        <a:solidFill>
-                          <a:schemeClr val="tx1"/>
-                        </a:solidFill>
-                      </a:endParaRPr>
-                    </a:p>
-                  </a:txBody>
-                  <a:tcPr/>
-                </a:tc>
-                <a:tc>
-                  <a:txBody>
-                    <a:bodyPr/>
-                    <a:lstStyle/>
-                    <a:p>
-                      <a:endParaRPr lang="pt-BR" dirty="0">
-                        <a:solidFill>
-                          <a:schemeClr val="tx1"/>
-                        </a:solidFill>
-                      </a:endParaRPr>
-                    </a:p>
-                  </a:txBody>
-                  <a:tcPr/>
-                </a:tc>
-                <a:tc>
-                  <a:txBody>
-                    <a:bodyPr/>
-                    <a:lstStyle/>
-                    <a:p>
-                      <a:endParaRPr lang="pt-BR">
                         <a:solidFill>
                           <a:schemeClr val="tx1"/>
                         </a:solidFill>
@@ -7095,7 +7411,7 @@
                     <a:bodyPr/>
                     <a:lstStyle/>
                     <a:p>
-                      <a:endParaRPr lang="pt-BR" dirty="0">
+                      <a:endParaRPr lang="pt-BR">
                         <a:solidFill>
                           <a:schemeClr val="tx1"/>
                         </a:solidFill>
@@ -7125,14 +7441,136 @@
       </p:graphicFrame>
       <p:sp>
         <p:nvSpPr>
-          <p:cNvPr id="238" name="CustomShape 5"/>
-          <p:cNvSpPr/>
-          <p:nvPr/>
-        </p:nvSpPr>
-        <p:spPr>
-          <a:xfrm>
-            <a:off x="4428056" y="4826556"/>
-            <a:ext cx="1368152" cy="260768"/>
+          <p:cNvPr id="18" name="CustomShape 8"/>
+          <p:cNvSpPr/>
+          <p:nvPr/>
+        </p:nvSpPr>
+        <p:spPr>
+          <a:xfrm>
+            <a:off x="467544" y="4149080"/>
+            <a:ext cx="2890664" cy="406440"/>
+          </a:xfrm>
+          <a:prstGeom prst="rect">
+            <a:avLst/>
+          </a:prstGeom>
+          <a:noFill/>
+          <a:ln>
+            <a:noFill/>
+          </a:ln>
+        </p:spPr>
+        <p:txBody>
+          <a:bodyPr/>
+          <a:lstStyle/>
+          <a:p>
+            <a:pPr>
+              <a:lnSpc>
+                <a:spcPct val="100000"/>
+              </a:lnSpc>
+            </a:pPr>
+            <a:r>
+              <a:rPr lang="pt-BR" sz="2000" dirty="0" smtClean="0">
+                <a:solidFill>
+                  <a:srgbClr val="000000"/>
+                </a:solidFill>
+                <a:latin typeface="Calibri"/>
+              </a:rPr>
+              <a:t>Detalhes do Orçamento</a:t>
+            </a:r>
+            <a:endParaRPr sz="2000" dirty="0"/>
+          </a:p>
+          <a:p>
+            <a:pPr>
+              <a:lnSpc>
+                <a:spcPct val="100000"/>
+              </a:lnSpc>
+            </a:pPr>
+            <a:endParaRPr sz="2000" dirty="0"/>
+          </a:p>
+          <a:p>
+            <a:pPr>
+              <a:lnSpc>
+                <a:spcPct val="100000"/>
+              </a:lnSpc>
+            </a:pPr>
+            <a:endParaRPr sz="2000" dirty="0"/>
+          </a:p>
+        </p:txBody>
+      </p:sp>
+      <p:sp>
+        <p:nvSpPr>
+          <p:cNvPr id="19" name="CustomShape 4"/>
+          <p:cNvSpPr/>
+          <p:nvPr/>
+        </p:nvSpPr>
+        <p:spPr>
+          <a:xfrm>
+            <a:off x="2699792" y="1196752"/>
+            <a:ext cx="2376264" cy="406440"/>
+          </a:xfrm>
+          <a:prstGeom prst="rect">
+            <a:avLst/>
+          </a:prstGeom>
+          <a:noFill/>
+          <a:ln>
+            <a:noFill/>
+          </a:ln>
+        </p:spPr>
+        <p:txBody>
+          <a:bodyPr/>
+          <a:lstStyle/>
+          <a:p>
+            <a:pPr>
+              <a:lnSpc>
+                <a:spcPct val="100000"/>
+              </a:lnSpc>
+            </a:pPr>
+            <a:r>
+              <a:rPr lang="pt-BR" sz="2400" dirty="0" smtClean="0">
+                <a:solidFill>
+                  <a:srgbClr val="000000"/>
+                </a:solidFill>
+                <a:latin typeface="Calibri"/>
+              </a:rPr>
+              <a:t>Listar por Status</a:t>
+            </a:r>
+            <a:endParaRPr sz="2400" dirty="0"/>
+          </a:p>
+          <a:p>
+            <a:pPr>
+              <a:lnSpc>
+                <a:spcPct val="100000"/>
+              </a:lnSpc>
+            </a:pPr>
+            <a:endParaRPr sz="2400" dirty="0"/>
+          </a:p>
+          <a:p>
+            <a:pPr>
+              <a:lnSpc>
+                <a:spcPct val="100000"/>
+              </a:lnSpc>
+            </a:pPr>
+            <a:endParaRPr sz="2400" dirty="0"/>
+          </a:p>
+          <a:p>
+            <a:pPr>
+              <a:lnSpc>
+                <a:spcPct val="100000"/>
+              </a:lnSpc>
+            </a:pPr>
+            <a:endParaRPr sz="2400" dirty="0"/>
+          </a:p>
+        </p:txBody>
+      </p:sp>
+      <p:sp>
+        <p:nvSpPr>
+          <p:cNvPr id="20" name="CustomShape 1"/>
+          <p:cNvSpPr/>
+          <p:nvPr/>
+        </p:nvSpPr>
+        <p:spPr>
+          <a:xfrm>
+            <a:off x="2771568" y="1603584"/>
+            <a:ext cx="2016224" cy="288032"/>
           </a:xfrm>
           <a:prstGeom prst="rect">
             <a:avLst/>
@@ -7150,395 +7588,53 @@
       </p:sp>
       <p:sp>
         <p:nvSpPr>
-          <p:cNvPr id="239" name="CustomShape 6"/>
-          <p:cNvSpPr/>
-          <p:nvPr/>
-        </p:nvSpPr>
-        <p:spPr>
-          <a:xfrm>
-            <a:off x="4319960" y="4466196"/>
-            <a:ext cx="2088000" cy="406440"/>
-          </a:xfrm>
-          <a:prstGeom prst="rect">
-            <a:avLst/>
-          </a:prstGeom>
-          <a:noFill/>
+          <p:cNvPr id="21" name="Botão de ação: Avançar ou Próximo 20">
+            <a:hlinkClick r:id="" action="ppaction://hlinkshowjump?jump=nextslide" highlightClick="1"/>
+          </p:cNvPr>
+          <p:cNvSpPr/>
+          <p:nvPr/>
+        </p:nvSpPr>
+        <p:spPr>
+          <a:xfrm rot="5400000">
+            <a:off x="4391748" y="1495180"/>
+            <a:ext cx="288032" cy="504056"/>
+          </a:xfrm>
+          <a:prstGeom prst="actionButtonForwardNext">
+            <a:avLst/>
+          </a:prstGeom>
+          <a:solidFill>
+            <a:schemeClr val="bg1"/>
+          </a:solidFill>
           <a:ln>
-            <a:noFill/>
-          </a:ln>
-        </p:spPr>
-        <p:txBody>
-          <a:bodyPr/>
-          <a:lstStyle/>
-          <a:p>
-            <a:pPr>
-              <a:lnSpc>
-                <a:spcPct val="100000"/>
-              </a:lnSpc>
-            </a:pPr>
-            <a:r>
-              <a:rPr lang="pt-BR" sz="2000" dirty="0">
-                <a:solidFill>
-                  <a:srgbClr val="000000"/>
-                </a:solidFill>
-                <a:latin typeface="Calibri"/>
-              </a:rPr>
-              <a:t>% desconto</a:t>
-            </a:r>
-            <a:endParaRPr sz="2000" dirty="0"/>
-          </a:p>
-          <a:p>
-            <a:pPr>
-              <a:lnSpc>
-                <a:spcPct val="100000"/>
-              </a:lnSpc>
-            </a:pPr>
-            <a:endParaRPr sz="2000" dirty="0"/>
-          </a:p>
-          <a:p>
-            <a:pPr>
-              <a:lnSpc>
-                <a:spcPct val="100000"/>
-              </a:lnSpc>
-            </a:pPr>
-            <a:endParaRPr sz="2000" dirty="0"/>
-          </a:p>
-        </p:txBody>
-      </p:sp>
-      <p:sp>
-        <p:nvSpPr>
-          <p:cNvPr id="240" name="CustomShape 7"/>
-          <p:cNvSpPr/>
-          <p:nvPr/>
-        </p:nvSpPr>
-        <p:spPr>
-          <a:xfrm>
-            <a:off x="5968400" y="4826556"/>
-            <a:ext cx="1339976" cy="260768"/>
-          </a:xfrm>
-          <a:prstGeom prst="rect">
-            <a:avLst/>
-          </a:prstGeom>
-          <a:solidFill>
-            <a:srgbClr val="FFFFFF"/>
-          </a:solidFill>
-          <a:ln w="25560">
             <a:solidFill>
-              <a:srgbClr val="000000"/>
+              <a:schemeClr val="tx1"/>
             </a:solidFill>
-            <a:round/>
-          </a:ln>
-        </p:spPr>
-      </p:sp>
-      <p:sp>
-        <p:nvSpPr>
-          <p:cNvPr id="241" name="CustomShape 8"/>
-          <p:cNvSpPr/>
-          <p:nvPr/>
-        </p:nvSpPr>
-        <p:spPr>
-          <a:xfrm>
-            <a:off x="457200" y="692696"/>
-            <a:ext cx="1738536" cy="406440"/>
-          </a:xfrm>
-          <a:prstGeom prst="rect">
-            <a:avLst/>
-          </a:prstGeom>
-          <a:noFill/>
-          <a:ln>
-            <a:noFill/>
-          </a:ln>
-        </p:spPr>
-        <p:txBody>
-          <a:bodyPr/>
-          <a:lstStyle/>
-          <a:p>
-            <a:pPr>
-              <a:lnSpc>
-                <a:spcPct val="100000"/>
-              </a:lnSpc>
-            </a:pPr>
-            <a:r>
-              <a:rPr lang="pt-BR" sz="2000" dirty="0" smtClean="0">
-                <a:solidFill>
-                  <a:srgbClr val="000000"/>
-                </a:solidFill>
-                <a:latin typeface="Calibri"/>
-              </a:rPr>
-              <a:t>Código</a:t>
-            </a:r>
-            <a:endParaRPr sz="2000" dirty="0"/>
-          </a:p>
-          <a:p>
-            <a:pPr>
-              <a:lnSpc>
-                <a:spcPct val="100000"/>
-              </a:lnSpc>
-            </a:pPr>
-            <a:endParaRPr sz="2000" dirty="0"/>
-          </a:p>
-          <a:p>
-            <a:pPr>
-              <a:lnSpc>
-                <a:spcPct val="100000"/>
-              </a:lnSpc>
-            </a:pPr>
-            <a:endParaRPr sz="2000" dirty="0"/>
-          </a:p>
-        </p:txBody>
-      </p:sp>
-      <p:sp>
-        <p:nvSpPr>
-          <p:cNvPr id="10" name="CustomShape 7"/>
-          <p:cNvSpPr/>
-          <p:nvPr/>
-        </p:nvSpPr>
-        <p:spPr>
-          <a:xfrm>
-            <a:off x="629392" y="1108939"/>
-            <a:ext cx="1422328" cy="231829"/>
-          </a:xfrm>
-          <a:prstGeom prst="rect">
-            <a:avLst/>
-          </a:prstGeom>
-          <a:solidFill>
-            <a:srgbClr val="FFFFFF"/>
-          </a:solidFill>
-          <a:ln w="25560">
-            <a:solidFill>
-              <a:srgbClr val="000000"/>
-            </a:solidFill>
-            <a:round/>
-          </a:ln>
-        </p:spPr>
-      </p:sp>
-      <p:sp>
-        <p:nvSpPr>
-          <p:cNvPr id="11" name="CustomShape 8"/>
-          <p:cNvSpPr/>
-          <p:nvPr/>
-        </p:nvSpPr>
-        <p:spPr>
-          <a:xfrm>
-            <a:off x="5850198" y="4408648"/>
-            <a:ext cx="1512168" cy="406440"/>
-          </a:xfrm>
-          <a:prstGeom prst="rect">
-            <a:avLst/>
-          </a:prstGeom>
-          <a:noFill/>
-          <a:ln>
-            <a:noFill/>
-          </a:ln>
-        </p:spPr>
-        <p:txBody>
-          <a:bodyPr/>
-          <a:lstStyle/>
-          <a:p>
-            <a:pPr>
-              <a:lnSpc>
-                <a:spcPct val="100000"/>
-              </a:lnSpc>
-            </a:pPr>
-            <a:r>
-              <a:rPr lang="pt-BR" sz="2000" dirty="0">
-                <a:solidFill>
-                  <a:srgbClr val="000000"/>
-                </a:solidFill>
-                <a:latin typeface="Calibri"/>
-              </a:rPr>
-              <a:t>Total Liquido</a:t>
-            </a:r>
-            <a:endParaRPr sz="2000" dirty="0"/>
-          </a:p>
-          <a:p>
-            <a:pPr>
-              <a:lnSpc>
-                <a:spcPct val="100000"/>
-              </a:lnSpc>
-            </a:pPr>
-            <a:endParaRPr sz="2000" dirty="0"/>
-          </a:p>
-          <a:p>
-            <a:pPr>
-              <a:lnSpc>
-                <a:spcPct val="100000"/>
-              </a:lnSpc>
-            </a:pPr>
-            <a:endParaRPr sz="2000" dirty="0"/>
-          </a:p>
-        </p:txBody>
-      </p:sp>
-      <p:sp>
-        <p:nvSpPr>
-          <p:cNvPr id="12" name="CustomShape 8"/>
-          <p:cNvSpPr/>
-          <p:nvPr/>
-        </p:nvSpPr>
-        <p:spPr>
-          <a:xfrm>
-            <a:off x="2123728" y="692696"/>
-            <a:ext cx="1738536" cy="406440"/>
-          </a:xfrm>
-          <a:prstGeom prst="rect">
-            <a:avLst/>
-          </a:prstGeom>
-          <a:noFill/>
-          <a:ln>
-            <a:noFill/>
-          </a:ln>
-        </p:spPr>
-        <p:txBody>
-          <a:bodyPr/>
-          <a:lstStyle/>
-          <a:p>
-            <a:pPr>
-              <a:lnSpc>
-                <a:spcPct val="100000"/>
-              </a:lnSpc>
-            </a:pPr>
-            <a:r>
-              <a:rPr lang="pt-BR" sz="2000" dirty="0" smtClean="0">
-                <a:solidFill>
-                  <a:srgbClr val="000000"/>
-                </a:solidFill>
-                <a:latin typeface="Calibri"/>
-              </a:rPr>
-              <a:t>Cliente</a:t>
-            </a:r>
-          </a:p>
-          <a:p>
-            <a:pPr>
-              <a:lnSpc>
-                <a:spcPct val="100000"/>
-              </a:lnSpc>
-            </a:pPr>
-            <a:endParaRPr sz="2000" dirty="0"/>
-          </a:p>
-          <a:p>
-            <a:pPr>
-              <a:lnSpc>
-                <a:spcPct val="100000"/>
-              </a:lnSpc>
-            </a:pPr>
-            <a:endParaRPr sz="2000" dirty="0"/>
-          </a:p>
-          <a:p>
-            <a:pPr>
-              <a:lnSpc>
-                <a:spcPct val="100000"/>
-              </a:lnSpc>
-            </a:pPr>
-            <a:endParaRPr sz="2000" dirty="0"/>
-          </a:p>
-        </p:txBody>
-      </p:sp>
-      <p:sp>
-        <p:nvSpPr>
-          <p:cNvPr id="13" name="CustomShape 7"/>
-          <p:cNvSpPr/>
-          <p:nvPr/>
-        </p:nvSpPr>
-        <p:spPr>
-          <a:xfrm>
-            <a:off x="2223912" y="1118742"/>
-            <a:ext cx="5138454" cy="222027"/>
-          </a:xfrm>
-          <a:prstGeom prst="rect">
-            <a:avLst/>
-          </a:prstGeom>
-          <a:solidFill>
-            <a:srgbClr val="FFFFFF"/>
-          </a:solidFill>
-          <a:ln w="25560">
-            <a:solidFill>
-              <a:srgbClr val="000000"/>
-            </a:solidFill>
-            <a:round/>
-          </a:ln>
-        </p:spPr>
-      </p:sp>
-      <p:sp>
-        <p:nvSpPr>
-          <p:cNvPr id="14" name="CustomShape 8"/>
-          <p:cNvSpPr/>
-          <p:nvPr/>
-        </p:nvSpPr>
-        <p:spPr>
-          <a:xfrm>
-            <a:off x="457200" y="1313113"/>
-            <a:ext cx="1738536" cy="406440"/>
-          </a:xfrm>
-          <a:prstGeom prst="rect">
-            <a:avLst/>
-          </a:prstGeom>
-          <a:noFill/>
-          <a:ln>
-            <a:noFill/>
-          </a:ln>
-        </p:spPr>
-        <p:txBody>
-          <a:bodyPr/>
-          <a:lstStyle/>
-          <a:p>
-            <a:pPr>
-              <a:lnSpc>
-                <a:spcPct val="100000"/>
-              </a:lnSpc>
-            </a:pPr>
-            <a:r>
-              <a:rPr lang="pt-BR" sz="2000" dirty="0" smtClean="0">
-                <a:solidFill>
-                  <a:srgbClr val="000000"/>
-                </a:solidFill>
-                <a:latin typeface="Calibri"/>
-              </a:rPr>
-              <a:t>Orçamento:</a:t>
-            </a:r>
-            <a:endParaRPr sz="2000" dirty="0"/>
-          </a:p>
-          <a:p>
-            <a:pPr>
-              <a:lnSpc>
-                <a:spcPct val="100000"/>
-              </a:lnSpc>
-            </a:pPr>
-            <a:endParaRPr sz="2000" dirty="0"/>
-          </a:p>
-          <a:p>
-            <a:pPr>
-              <a:lnSpc>
-                <a:spcPct val="100000"/>
-              </a:lnSpc>
-            </a:pPr>
-            <a:endParaRPr sz="2000" dirty="0"/>
-          </a:p>
-        </p:txBody>
-      </p:sp>
-      <p:sp>
-        <p:nvSpPr>
-          <p:cNvPr id="15" name="CustomShape 7"/>
-          <p:cNvSpPr/>
-          <p:nvPr/>
-        </p:nvSpPr>
-        <p:spPr>
-          <a:xfrm>
-            <a:off x="629392" y="1729356"/>
-            <a:ext cx="1422328" cy="231829"/>
-          </a:xfrm>
-          <a:prstGeom prst="rect">
-            <a:avLst/>
-          </a:prstGeom>
-          <a:solidFill>
-            <a:srgbClr val="FFFFFF"/>
-          </a:solidFill>
-          <a:ln w="25560">
-            <a:solidFill>
-              <a:srgbClr val="000000"/>
-            </a:solidFill>
-            <a:round/>
-          </a:ln>
-        </p:spPr>
+          </a:ln>
+        </p:spPr>
+        <p:style>
+          <a:lnRef idx="2">
+            <a:schemeClr val="accent1">
+              <a:shade val="50000"/>
+            </a:schemeClr>
+          </a:lnRef>
+          <a:fillRef idx="1">
+            <a:schemeClr val="accent1"/>
+          </a:fillRef>
+          <a:effectRef idx="0">
+            <a:schemeClr val="accent1"/>
+          </a:effectRef>
+          <a:fontRef idx="minor">
+            <a:schemeClr val="lt1"/>
+          </a:fontRef>
+        </p:style>
+        <p:txBody>
+          <a:bodyPr rtlCol="0" anchor="ctr"/>
+          <a:lstStyle/>
+          <a:p>
+            <a:pPr algn="ctr"/>
+            <a:endParaRPr lang="pt-BR"/>
+          </a:p>
+        </p:txBody>
       </p:sp>
     </p:spTree>
   </p:cSld>
@@ -7773,7 +7869,7 @@
           <p:nvPr>
             <p:extLst>
               <p:ext uri="{D42A27DB-BD31-4B8C-83A1-F6EECF244321}">
-                <p14:modId xmlns="" xmlns:p14="http://schemas.microsoft.com/office/powerpoint/2010/main" val="2060689164"/>
+                <p14:modId xmlns:p14="http://schemas.microsoft.com/office/powerpoint/2010/main" xmlns="" val="2060689164"/>
               </p:ext>
             </p:extLst>
           </p:nvPr>
@@ -8512,7 +8608,7 @@
     </p:spTree>
     <p:extLst>
       <p:ext uri="{BB962C8B-B14F-4D97-AF65-F5344CB8AC3E}">
-        <p14:creationId xmlns="" xmlns:p14="http://schemas.microsoft.com/office/powerpoint/2010/main" val="1497100592"/>
+        <p14:creationId xmlns:p14="http://schemas.microsoft.com/office/powerpoint/2010/main" xmlns="" val="1497100592"/>
       </p:ext>
     </p:extLst>
   </p:cSld>
@@ -12139,7 +12235,7 @@
         </p:nvSpPr>
         <p:spPr>
           <a:xfrm>
-            <a:off x="971640" y="6093360"/>
+            <a:off x="1980264" y="6093360"/>
             <a:ext cx="1367640" cy="575640"/>
           </a:xfrm>
           <a:prstGeom prst="rect">
@@ -12185,7 +12281,7 @@
         </p:nvSpPr>
         <p:spPr>
           <a:xfrm>
-            <a:off x="2483640" y="6093360"/>
+            <a:off x="3492264" y="6093360"/>
             <a:ext cx="1367640" cy="575640"/>
           </a:xfrm>
           <a:prstGeom prst="rect">
@@ -12231,7 +12327,7 @@
         </p:nvSpPr>
         <p:spPr>
           <a:xfrm>
-            <a:off x="3996000" y="6093360"/>
+            <a:off x="5004624" y="6093360"/>
             <a:ext cx="1367640" cy="575640"/>
           </a:xfrm>
           <a:prstGeom prst="rect">
@@ -12271,13 +12367,13 @@
       </p:sp>
       <p:sp>
         <p:nvSpPr>
-          <p:cNvPr id="106" name="CustomShape 12"/>
-          <p:cNvSpPr/>
-          <p:nvPr/>
-        </p:nvSpPr>
-        <p:spPr>
-          <a:xfrm>
-            <a:off x="5508000" y="6093360"/>
+          <p:cNvPr id="107" name="CustomShape 13"/>
+          <p:cNvSpPr/>
+          <p:nvPr/>
+        </p:nvSpPr>
+        <p:spPr>
+          <a:xfrm>
+            <a:off x="6516728" y="6093296"/>
             <a:ext cx="1367640" cy="575640"/>
           </a:xfrm>
           <a:prstGeom prst="rect">
@@ -12303,61 +12399,15 @@
               </a:lnSpc>
             </a:pPr>
             <a:r>
-              <a:rPr lang="pt-BR">
+              <a:rPr lang="pt-BR" dirty="0">
                 <a:solidFill>
                   <a:srgbClr val="000000"/>
                 </a:solidFill>
                 <a:latin typeface="Calibri"/>
               </a:rPr>
-              <a:t>EXCLUIR</a:t>
-            </a:r>
-            <a:endParaRPr/>
-          </a:p>
-        </p:txBody>
-      </p:sp>
-      <p:sp>
-        <p:nvSpPr>
-          <p:cNvPr id="107" name="CustomShape 13"/>
-          <p:cNvSpPr/>
-          <p:nvPr/>
-        </p:nvSpPr>
-        <p:spPr>
-          <a:xfrm>
-            <a:off x="7020360" y="6093360"/>
-            <a:ext cx="1367640" cy="575640"/>
-          </a:xfrm>
-          <a:prstGeom prst="rect">
-            <a:avLst/>
-          </a:prstGeom>
-          <a:solidFill>
-            <a:srgbClr val="C6D9F1"/>
-          </a:solidFill>
-          <a:ln w="25560">
-            <a:solidFill>
-              <a:srgbClr val="000000"/>
-            </a:solidFill>
-            <a:round/>
-          </a:ln>
-        </p:spPr>
-        <p:txBody>
-          <a:bodyPr lIns="90000" tIns="45000" rIns="90000" bIns="45000" anchor="ctr"/>
-          <a:lstStyle/>
-          <a:p>
-            <a:pPr algn="ctr">
-              <a:lnSpc>
-                <a:spcPct val="100000"/>
-              </a:lnSpc>
-            </a:pPr>
-            <a:r>
-              <a:rPr lang="pt-BR">
-                <a:solidFill>
-                  <a:srgbClr val="000000"/>
-                </a:solidFill>
-                <a:latin typeface="Calibri"/>
-              </a:rPr>
               <a:t>CANCELAR</a:t>
             </a:r>
-            <a:endParaRPr/>
+            <a:endParaRPr dirty="0"/>
           </a:p>
         </p:txBody>
       </p:sp>
@@ -12903,13 +12953,13 @@
               </a:lnSpc>
             </a:pPr>
             <a:r>
-              <a:rPr lang="pt-BR" sz="2800" dirty="0">
+              <a:rPr lang="pt-BR" sz="2800" dirty="0" smtClean="0">
                 <a:solidFill>
                   <a:srgbClr val="000000"/>
                 </a:solidFill>
                 <a:latin typeface="Calibri"/>
               </a:rPr>
-              <a:t>Cliente</a:t>
+              <a:t>Descrição</a:t>
             </a:r>
             <a:endParaRPr sz="2800" dirty="0"/>
           </a:p>
@@ -13181,7 +13231,7 @@
         </p:nvSpPr>
         <p:spPr>
           <a:xfrm>
-            <a:off x="457200" y="655664"/>
+            <a:off x="467544" y="692696"/>
             <a:ext cx="2880320" cy="406440"/>
           </a:xfrm>
           <a:prstGeom prst="rect">
@@ -16601,16 +16651,7 @@
                 </a:solidFill>
                 <a:latin typeface="Calibri"/>
               </a:rPr>
-              <a:t>Usu</a:t>
-            </a:r>
-            <a:r>
-              <a:rPr lang="pt-BR" sz="2000" dirty="0" smtClean="0">
-                <a:solidFill>
-                  <a:srgbClr val="000000"/>
-                </a:solidFill>
-                <a:latin typeface="Calibri"/>
-              </a:rPr>
-              <a:t>ário</a:t>
+              <a:t>Usuário</a:t>
             </a:r>
             <a:endParaRPr sz="2000" dirty="0"/>
           </a:p>
